--- a/pslides/install.pptx
+++ b/pslides/install.pptx
@@ -264,7 +264,7 @@
           <a:p>
             <a:fld id="{7B9169B0-A344-9A43-AAD5-682508993835}" type="datetimeFigureOut">
               <a:rPr lang="fr-FR" smtClean="0"/>
-              <a:t>10/08/2021</a:t>
+              <a:t>19/08/2021</a:t>
             </a:fld>
             <a:endParaRPr lang="fr-FR"/>
           </a:p>
@@ -462,7 +462,7 @@
           <a:p>
             <a:fld id="{7B9169B0-A344-9A43-AAD5-682508993835}" type="datetimeFigureOut">
               <a:rPr lang="fr-FR" smtClean="0"/>
-              <a:t>10/08/2021</a:t>
+              <a:t>19/08/2021</a:t>
             </a:fld>
             <a:endParaRPr lang="fr-FR"/>
           </a:p>
@@ -670,7 +670,7 @@
           <a:p>
             <a:fld id="{7B9169B0-A344-9A43-AAD5-682508993835}" type="datetimeFigureOut">
               <a:rPr lang="fr-FR" smtClean="0"/>
-              <a:t>10/08/2021</a:t>
+              <a:t>19/08/2021</a:t>
             </a:fld>
             <a:endParaRPr lang="fr-FR"/>
           </a:p>
@@ -868,7 +868,7 @@
           <a:p>
             <a:fld id="{7B9169B0-A344-9A43-AAD5-682508993835}" type="datetimeFigureOut">
               <a:rPr lang="fr-FR" smtClean="0"/>
-              <a:t>10/08/2021</a:t>
+              <a:t>19/08/2021</a:t>
             </a:fld>
             <a:endParaRPr lang="fr-FR"/>
           </a:p>
@@ -1143,7 +1143,7 @@
           <a:p>
             <a:fld id="{7B9169B0-A344-9A43-AAD5-682508993835}" type="datetimeFigureOut">
               <a:rPr lang="fr-FR" smtClean="0"/>
-              <a:t>10/08/2021</a:t>
+              <a:t>19/08/2021</a:t>
             </a:fld>
             <a:endParaRPr lang="fr-FR"/>
           </a:p>
@@ -1408,7 +1408,7 @@
           <a:p>
             <a:fld id="{7B9169B0-A344-9A43-AAD5-682508993835}" type="datetimeFigureOut">
               <a:rPr lang="fr-FR" smtClean="0"/>
-              <a:t>10/08/2021</a:t>
+              <a:t>19/08/2021</a:t>
             </a:fld>
             <a:endParaRPr lang="fr-FR"/>
           </a:p>
@@ -1820,7 +1820,7 @@
           <a:p>
             <a:fld id="{7B9169B0-A344-9A43-AAD5-682508993835}" type="datetimeFigureOut">
               <a:rPr lang="fr-FR" smtClean="0"/>
-              <a:t>10/08/2021</a:t>
+              <a:t>19/08/2021</a:t>
             </a:fld>
             <a:endParaRPr lang="fr-FR"/>
           </a:p>
@@ -1961,7 +1961,7 @@
           <a:p>
             <a:fld id="{7B9169B0-A344-9A43-AAD5-682508993835}" type="datetimeFigureOut">
               <a:rPr lang="fr-FR" smtClean="0"/>
-              <a:t>10/08/2021</a:t>
+              <a:t>19/08/2021</a:t>
             </a:fld>
             <a:endParaRPr lang="fr-FR"/>
           </a:p>
@@ -2074,7 +2074,7 @@
           <a:p>
             <a:fld id="{7B9169B0-A344-9A43-AAD5-682508993835}" type="datetimeFigureOut">
               <a:rPr lang="fr-FR" smtClean="0"/>
-              <a:t>10/08/2021</a:t>
+              <a:t>19/08/2021</a:t>
             </a:fld>
             <a:endParaRPr lang="fr-FR"/>
           </a:p>
@@ -2385,7 +2385,7 @@
           <a:p>
             <a:fld id="{7B9169B0-A344-9A43-AAD5-682508993835}" type="datetimeFigureOut">
               <a:rPr lang="fr-FR" smtClean="0"/>
-              <a:t>10/08/2021</a:t>
+              <a:t>19/08/2021</a:t>
             </a:fld>
             <a:endParaRPr lang="fr-FR"/>
           </a:p>
@@ -2673,7 +2673,7 @@
           <a:p>
             <a:fld id="{7B9169B0-A344-9A43-AAD5-682508993835}" type="datetimeFigureOut">
               <a:rPr lang="fr-FR" smtClean="0"/>
-              <a:t>10/08/2021</a:t>
+              <a:t>19/08/2021</a:t>
             </a:fld>
             <a:endParaRPr lang="fr-FR"/>
           </a:p>
@@ -2914,7 +2914,7 @@
           <a:p>
             <a:fld id="{7B9169B0-A344-9A43-AAD5-682508993835}" type="datetimeFigureOut">
               <a:rPr lang="fr-FR" smtClean="0"/>
-              <a:t>10/08/2021</a:t>
+              <a:t>19/08/2021</a:t>
             </a:fld>
             <a:endParaRPr lang="fr-FR"/>
           </a:p>
@@ -3744,7 +3744,7 @@
             </a:r>
             <a:r>
               <a:rPr lang="fr-FR" sz="2400" noProof="1"/>
-              <a:t> =&gt; click on R-4.1.0.pkg and follow instructions</a:t>
+              <a:t> =&gt; click on R-4.1.1.pkg and follow instructions</a:t>
             </a:r>
           </a:p>
           <a:p>

--- a/pslides/install.pptx
+++ b/pslides/install.pptx
@@ -264,7 +264,7 @@
           <a:p>
             <a:fld id="{7B9169B0-A344-9A43-AAD5-682508993835}" type="datetimeFigureOut">
               <a:rPr lang="fr-FR" smtClean="0"/>
-              <a:t>19/08/2021</a:t>
+              <a:t>26/08/2021</a:t>
             </a:fld>
             <a:endParaRPr lang="fr-FR"/>
           </a:p>
@@ -462,7 +462,7 @@
           <a:p>
             <a:fld id="{7B9169B0-A344-9A43-AAD5-682508993835}" type="datetimeFigureOut">
               <a:rPr lang="fr-FR" smtClean="0"/>
-              <a:t>19/08/2021</a:t>
+              <a:t>26/08/2021</a:t>
             </a:fld>
             <a:endParaRPr lang="fr-FR"/>
           </a:p>
@@ -670,7 +670,7 @@
           <a:p>
             <a:fld id="{7B9169B0-A344-9A43-AAD5-682508993835}" type="datetimeFigureOut">
               <a:rPr lang="fr-FR" smtClean="0"/>
-              <a:t>19/08/2021</a:t>
+              <a:t>26/08/2021</a:t>
             </a:fld>
             <a:endParaRPr lang="fr-FR"/>
           </a:p>
@@ -868,7 +868,7 @@
           <a:p>
             <a:fld id="{7B9169B0-A344-9A43-AAD5-682508993835}" type="datetimeFigureOut">
               <a:rPr lang="fr-FR" smtClean="0"/>
-              <a:t>19/08/2021</a:t>
+              <a:t>26/08/2021</a:t>
             </a:fld>
             <a:endParaRPr lang="fr-FR"/>
           </a:p>
@@ -1143,7 +1143,7 @@
           <a:p>
             <a:fld id="{7B9169B0-A344-9A43-AAD5-682508993835}" type="datetimeFigureOut">
               <a:rPr lang="fr-FR" smtClean="0"/>
-              <a:t>19/08/2021</a:t>
+              <a:t>26/08/2021</a:t>
             </a:fld>
             <a:endParaRPr lang="fr-FR"/>
           </a:p>
@@ -1408,7 +1408,7 @@
           <a:p>
             <a:fld id="{7B9169B0-A344-9A43-AAD5-682508993835}" type="datetimeFigureOut">
               <a:rPr lang="fr-FR" smtClean="0"/>
-              <a:t>19/08/2021</a:t>
+              <a:t>26/08/2021</a:t>
             </a:fld>
             <a:endParaRPr lang="fr-FR"/>
           </a:p>
@@ -1820,7 +1820,7 @@
           <a:p>
             <a:fld id="{7B9169B0-A344-9A43-AAD5-682508993835}" type="datetimeFigureOut">
               <a:rPr lang="fr-FR" smtClean="0"/>
-              <a:t>19/08/2021</a:t>
+              <a:t>26/08/2021</a:t>
             </a:fld>
             <a:endParaRPr lang="fr-FR"/>
           </a:p>
@@ -1961,7 +1961,7 @@
           <a:p>
             <a:fld id="{7B9169B0-A344-9A43-AAD5-682508993835}" type="datetimeFigureOut">
               <a:rPr lang="fr-FR" smtClean="0"/>
-              <a:t>19/08/2021</a:t>
+              <a:t>26/08/2021</a:t>
             </a:fld>
             <a:endParaRPr lang="fr-FR"/>
           </a:p>
@@ -2074,7 +2074,7 @@
           <a:p>
             <a:fld id="{7B9169B0-A344-9A43-AAD5-682508993835}" type="datetimeFigureOut">
               <a:rPr lang="fr-FR" smtClean="0"/>
-              <a:t>19/08/2021</a:t>
+              <a:t>26/08/2021</a:t>
             </a:fld>
             <a:endParaRPr lang="fr-FR"/>
           </a:p>
@@ -2385,7 +2385,7 @@
           <a:p>
             <a:fld id="{7B9169B0-A344-9A43-AAD5-682508993835}" type="datetimeFigureOut">
               <a:rPr lang="fr-FR" smtClean="0"/>
-              <a:t>19/08/2021</a:t>
+              <a:t>26/08/2021</a:t>
             </a:fld>
             <a:endParaRPr lang="fr-FR"/>
           </a:p>
@@ -2673,7 +2673,7 @@
           <a:p>
             <a:fld id="{7B9169B0-A344-9A43-AAD5-682508993835}" type="datetimeFigureOut">
               <a:rPr lang="fr-FR" smtClean="0"/>
-              <a:t>19/08/2021</a:t>
+              <a:t>26/08/2021</a:t>
             </a:fld>
             <a:endParaRPr lang="fr-FR"/>
           </a:p>
@@ -2914,7 +2914,7 @@
           <a:p>
             <a:fld id="{7B9169B0-A344-9A43-AAD5-682508993835}" type="datetimeFigureOut">
               <a:rPr lang="fr-FR" smtClean="0"/>
-              <a:t>19/08/2021</a:t>
+              <a:t>26/08/2021</a:t>
             </a:fld>
             <a:endParaRPr lang="fr-FR"/>
           </a:p>
